--- a/docs/diagrams/LogicComponentClassDiagram.pptx
+++ b/docs/diagrams/LogicComponentClassDiagram.pptx
@@ -212,7 +212,7 @@
           <a:p>
             <a:fld id="{F5CC4B3F-88C1-4FFA-B1B6-F41C21DC6924}" type="datetimeFigureOut">
               <a:rPr lang="en-US" smtClean="0"/>
-              <a:t>4/16/2018</a:t>
+              <a:t>11/10/2018</a:t>
             </a:fld>
             <a:endParaRPr lang="en-US"/>
           </a:p>
@@ -658,7 +658,7 @@
           <a:p>
             <a:fld id="{78C97017-6FC3-485B-9764-EAC9E56C1D49}" type="datetimeFigureOut">
               <a:rPr lang="en-US" smtClean="0"/>
-              <a:t>4/16/2018</a:t>
+              <a:t>11/10/2018</a:t>
             </a:fld>
             <a:endParaRPr lang="en-US"/>
           </a:p>
@@ -826,7 +826,7 @@
           <a:p>
             <a:fld id="{78C97017-6FC3-485B-9764-EAC9E56C1D49}" type="datetimeFigureOut">
               <a:rPr lang="en-US" smtClean="0"/>
-              <a:t>4/16/2018</a:t>
+              <a:t>11/10/2018</a:t>
             </a:fld>
             <a:endParaRPr lang="en-US"/>
           </a:p>
@@ -1004,7 +1004,7 @@
           <a:p>
             <a:fld id="{78C97017-6FC3-485B-9764-EAC9E56C1D49}" type="datetimeFigureOut">
               <a:rPr lang="en-US" smtClean="0"/>
-              <a:t>4/16/2018</a:t>
+              <a:t>11/10/2018</a:t>
             </a:fld>
             <a:endParaRPr lang="en-US"/>
           </a:p>
@@ -1172,7 +1172,7 @@
           <a:p>
             <a:fld id="{78C97017-6FC3-485B-9764-EAC9E56C1D49}" type="datetimeFigureOut">
               <a:rPr lang="en-US" smtClean="0"/>
-              <a:t>4/16/2018</a:t>
+              <a:t>11/10/2018</a:t>
             </a:fld>
             <a:endParaRPr lang="en-US"/>
           </a:p>
@@ -1417,7 +1417,7 @@
           <a:p>
             <a:fld id="{78C97017-6FC3-485B-9764-EAC9E56C1D49}" type="datetimeFigureOut">
               <a:rPr lang="en-US" smtClean="0"/>
-              <a:t>4/16/2018</a:t>
+              <a:t>11/10/2018</a:t>
             </a:fld>
             <a:endParaRPr lang="en-US"/>
           </a:p>
@@ -1702,7 +1702,7 @@
           <a:p>
             <a:fld id="{78C97017-6FC3-485B-9764-EAC9E56C1D49}" type="datetimeFigureOut">
               <a:rPr lang="en-US" smtClean="0"/>
-              <a:t>4/16/2018</a:t>
+              <a:t>11/10/2018</a:t>
             </a:fld>
             <a:endParaRPr lang="en-US"/>
           </a:p>
@@ -2121,7 +2121,7 @@
           <a:p>
             <a:fld id="{78C97017-6FC3-485B-9764-EAC9E56C1D49}" type="datetimeFigureOut">
               <a:rPr lang="en-US" smtClean="0"/>
-              <a:t>4/16/2018</a:t>
+              <a:t>11/10/2018</a:t>
             </a:fld>
             <a:endParaRPr lang="en-US"/>
           </a:p>
@@ -2238,7 +2238,7 @@
           <a:p>
             <a:fld id="{78C97017-6FC3-485B-9764-EAC9E56C1D49}" type="datetimeFigureOut">
               <a:rPr lang="en-US" smtClean="0"/>
-              <a:t>4/16/2018</a:t>
+              <a:t>11/10/2018</a:t>
             </a:fld>
             <a:endParaRPr lang="en-US"/>
           </a:p>
@@ -2333,7 +2333,7 @@
           <a:p>
             <a:fld id="{78C97017-6FC3-485B-9764-EAC9E56C1D49}" type="datetimeFigureOut">
               <a:rPr lang="en-US" smtClean="0"/>
-              <a:t>4/16/2018</a:t>
+              <a:t>11/10/2018</a:t>
             </a:fld>
             <a:endParaRPr lang="en-US"/>
           </a:p>
@@ -2608,7 +2608,7 @@
           <a:p>
             <a:fld id="{78C97017-6FC3-485B-9764-EAC9E56C1D49}" type="datetimeFigureOut">
               <a:rPr lang="en-US" smtClean="0"/>
-              <a:t>4/16/2018</a:t>
+              <a:t>11/10/2018</a:t>
             </a:fld>
             <a:endParaRPr lang="en-US"/>
           </a:p>
@@ -2860,7 +2860,7 @@
           <a:p>
             <a:fld id="{78C97017-6FC3-485B-9764-EAC9E56C1D49}" type="datetimeFigureOut">
               <a:rPr lang="en-US" smtClean="0"/>
-              <a:t>4/16/2018</a:t>
+              <a:t>11/10/2018</a:t>
             </a:fld>
             <a:endParaRPr lang="en-US"/>
           </a:p>
@@ -3071,7 +3071,7 @@
           <a:p>
             <a:fld id="{78C97017-6FC3-485B-9764-EAC9E56C1D49}" type="datetimeFigureOut">
               <a:rPr lang="en-US" smtClean="0"/>
-              <a:t>4/16/2018</a:t>
+              <a:t>11/10/2018</a:t>
             </a:fld>
             <a:endParaRPr lang="en-US"/>
           </a:p>
@@ -3454,7 +3454,7 @@
         </p:nvSpPr>
         <p:spPr>
           <a:xfrm>
-            <a:off x="1066800" y="914400"/>
+            <a:off x="1029630" y="1295400"/>
             <a:ext cx="7084740" cy="3733800"/>
           </a:xfrm>
           <a:prstGeom prst="roundRect">
@@ -3515,7 +3515,7 @@
         </p:nvSpPr>
         <p:spPr>
           <a:xfrm>
-            <a:off x="2095948" y="1253067"/>
+            <a:off x="2058778" y="1634067"/>
             <a:ext cx="1093635" cy="346760"/>
           </a:xfrm>
           <a:prstGeom prst="rect">
@@ -3574,7 +3574,7 @@
         </p:nvSpPr>
         <p:spPr>
           <a:xfrm flipH="1">
-            <a:off x="6878274" y="2740152"/>
+            <a:off x="6841104" y="3121152"/>
             <a:ext cx="970326" cy="346760"/>
           </a:xfrm>
           <a:prstGeom prst="rect">
@@ -3630,7 +3630,7 @@
         </p:nvSpPr>
         <p:spPr>
           <a:xfrm>
-            <a:off x="1782495" y="3583530"/>
+            <a:off x="1745325" y="3964530"/>
             <a:ext cx="1093635" cy="346760"/>
           </a:xfrm>
           <a:prstGeom prst="rect">
@@ -3692,7 +3692,7 @@
         </p:nvCxnSpPr>
         <p:spPr>
           <a:xfrm flipH="1" flipV="1">
-            <a:off x="3189583" y="1426447"/>
+            <a:off x="3152413" y="1807447"/>
             <a:ext cx="4559332" cy="2895973"/>
           </a:xfrm>
           <a:prstGeom prst="bentConnector3">
@@ -3735,7 +3735,7 @@
         </p:nvCxnSpPr>
         <p:spPr>
           <a:xfrm>
-            <a:off x="1676400" y="1423587"/>
+            <a:off x="1639230" y="1804587"/>
             <a:ext cx="419548" cy="2860"/>
           </a:xfrm>
           <a:prstGeom prst="bentConnector3">
@@ -3776,7 +3776,7 @@
         </p:nvSpPr>
         <p:spPr>
           <a:xfrm>
-            <a:off x="1103085" y="4777355"/>
+            <a:off x="1065915" y="5158355"/>
             <a:ext cx="7050315" cy="328045"/>
           </a:xfrm>
           <a:prstGeom prst="roundRect">
@@ -3836,7 +3836,7 @@
         </p:nvSpPr>
         <p:spPr>
           <a:xfrm>
-            <a:off x="6976872" y="4149040"/>
+            <a:off x="6939702" y="4530040"/>
             <a:ext cx="772043" cy="346760"/>
           </a:xfrm>
           <a:prstGeom prst="rect">
@@ -3907,7 +3907,7 @@
         </p:nvSpPr>
         <p:spPr>
           <a:xfrm>
-            <a:off x="3255418" y="3554995"/>
+            <a:off x="3218248" y="3935995"/>
             <a:ext cx="1045323" cy="384497"/>
           </a:xfrm>
           <a:prstGeom prst="rect">
@@ -3944,7 +3944,7 @@
                   <a:schemeClr val="bg1"/>
                 </a:solidFill>
               </a:rPr>
-              <a:t>AddressBook</a:t>
+              <a:t>TutorHelper</a:t>
             </a:r>
             <a:endParaRPr lang="en-US" sz="1050" dirty="0">
               <a:solidFill>
@@ -3980,7 +3980,7 @@
         </p:nvCxnSpPr>
         <p:spPr>
           <a:xfrm>
-            <a:off x="7362894" y="4495800"/>
+            <a:off x="7325724" y="4876800"/>
             <a:ext cx="0" cy="281555"/>
           </a:xfrm>
           <a:prstGeom prst="straightConnector1">
@@ -4019,7 +4019,7 @@
         </p:nvSpPr>
         <p:spPr>
           <a:xfrm rot="16200000">
-            <a:off x="398120" y="2150720"/>
+            <a:off x="360950" y="2531720"/>
             <a:ext cx="2209800" cy="346760"/>
           </a:xfrm>
           <a:prstGeom prst="rect">
@@ -4089,7 +4089,7 @@
         </p:nvSpPr>
         <p:spPr>
           <a:xfrm>
-            <a:off x="1359039" y="3429000"/>
+            <a:off x="1321869" y="3810000"/>
             <a:ext cx="270504" cy="175523"/>
           </a:xfrm>
           <a:prstGeom prst="triangle">
@@ -4146,7 +4146,7 @@
         </p:nvCxnSpPr>
         <p:spPr>
           <a:xfrm rot="10800000">
-            <a:off x="1494291" y="3604524"/>
+            <a:off x="1457121" y="3985524"/>
             <a:ext cx="288204" cy="152387"/>
           </a:xfrm>
           <a:prstGeom prst="bentConnector2">
@@ -4187,7 +4187,7 @@
         </p:nvCxnSpPr>
         <p:spPr>
           <a:xfrm>
-            <a:off x="2329313" y="3930290"/>
+            <a:off x="2292143" y="4311290"/>
             <a:ext cx="1376" cy="854841"/>
           </a:xfrm>
           <a:prstGeom prst="straightConnector1">
@@ -4225,7 +4225,7 @@
         </p:nvCxnSpPr>
         <p:spPr>
           <a:xfrm>
-            <a:off x="893311" y="2832505"/>
+            <a:off x="856141" y="3213505"/>
             <a:ext cx="419548" cy="2860"/>
           </a:xfrm>
           <a:prstGeom prst="bentConnector3">
@@ -4270,7 +4270,7 @@
         </p:nvCxnSpPr>
         <p:spPr>
           <a:xfrm>
-            <a:off x="2281833" y="3939492"/>
+            <a:off x="2244663" y="4320492"/>
             <a:ext cx="4695039" cy="382928"/>
           </a:xfrm>
           <a:prstGeom prst="bentConnector3">
@@ -4311,7 +4311,7 @@
         </p:nvGrpSpPr>
         <p:grpSpPr>
           <a:xfrm>
-            <a:off x="4597400" y="4341168"/>
+            <a:off x="4560230" y="4722168"/>
             <a:ext cx="889000" cy="230832"/>
             <a:chOff x="2895600" y="807932"/>
             <a:chExt cx="889000" cy="230832"/>
@@ -4411,7 +4411,7 @@
         </p:nvGrpSpPr>
         <p:grpSpPr>
           <a:xfrm>
-            <a:off x="4665110" y="1219200"/>
+            <a:off x="4627940" y="1600200"/>
             <a:ext cx="868568" cy="230832"/>
             <a:chOff x="2755838" y="789460"/>
             <a:chExt cx="868568" cy="230832"/>
@@ -4510,7 +4510,7 @@
         </p:nvSpPr>
         <p:spPr>
           <a:xfrm>
-            <a:off x="3048000" y="3733800"/>
+            <a:off x="3010830" y="4114800"/>
             <a:ext cx="131116" cy="230832"/>
           </a:xfrm>
           <a:prstGeom prst="rect">
@@ -4549,7 +4549,7 @@
         </p:nvCxnSpPr>
         <p:spPr>
           <a:xfrm rot="5400000" flipH="1" flipV="1">
-            <a:off x="1193276" y="2601868"/>
+            <a:off x="1156106" y="2982868"/>
             <a:ext cx="1969553" cy="2764"/>
           </a:xfrm>
           <a:prstGeom prst="bentConnector3">
@@ -4590,7 +4590,7 @@
         </p:nvSpPr>
         <p:spPr>
           <a:xfrm>
-            <a:off x="3174214" y="1862795"/>
+            <a:off x="3137044" y="2243795"/>
             <a:ext cx="751107" cy="346760"/>
           </a:xfrm>
           <a:prstGeom prst="rect">
@@ -4670,7 +4670,7 @@
         </p:nvSpPr>
         <p:spPr>
           <a:xfrm>
-            <a:off x="2238496" y="2454481"/>
+            <a:off x="2201326" y="2835481"/>
             <a:ext cx="726243" cy="174580"/>
           </a:xfrm>
           <a:prstGeom prst="rect">
@@ -4735,7 +4735,7 @@
         </p:nvSpPr>
         <p:spPr>
           <a:xfrm>
-            <a:off x="3186326" y="2841725"/>
+            <a:off x="3149156" y="3222725"/>
             <a:ext cx="731636" cy="283820"/>
           </a:xfrm>
           <a:prstGeom prst="rect">
@@ -4800,7 +4800,7 @@
         </p:nvSpPr>
         <p:spPr>
           <a:xfrm>
-            <a:off x="3186326" y="3190882"/>
+            <a:off x="3149156" y="3571882"/>
             <a:ext cx="731636" cy="283820"/>
           </a:xfrm>
           <a:prstGeom prst="rect">
@@ -4869,7 +4869,7 @@
         </p:nvCxnSpPr>
         <p:spPr>
           <a:xfrm rot="10800000">
-            <a:off x="2601618" y="2629061"/>
+            <a:off x="2564448" y="3010061"/>
             <a:ext cx="584708" cy="354574"/>
           </a:xfrm>
           <a:prstGeom prst="bentConnector2">
@@ -4915,7 +4915,7 @@
         </p:nvCxnSpPr>
         <p:spPr>
           <a:xfrm rot="10800000" flipV="1">
-            <a:off x="2601618" y="2036175"/>
+            <a:off x="2564448" y="2417175"/>
             <a:ext cx="572596" cy="418306"/>
           </a:xfrm>
           <a:prstGeom prst="bentConnector2">
@@ -4957,7 +4957,7 @@
         </p:nvGrpSpPr>
         <p:grpSpPr>
           <a:xfrm rot="10800000">
-            <a:off x="4687086" y="3784757"/>
+            <a:off x="4649916" y="4165757"/>
             <a:ext cx="555486" cy="254462"/>
             <a:chOff x="3703306" y="644022"/>
             <a:chExt cx="555486" cy="230832"/>
@@ -5062,7 +5062,7 @@
         </p:nvSpPr>
         <p:spPr>
           <a:xfrm flipV="1">
-            <a:off x="7227643" y="3980475"/>
+            <a:off x="7190473" y="4361475"/>
             <a:ext cx="270504" cy="175523"/>
           </a:xfrm>
           <a:prstGeom prst="triangle">
@@ -5119,7 +5119,7 @@
         </p:nvCxnSpPr>
         <p:spPr>
           <a:xfrm rot="5400000" flipH="1" flipV="1">
-            <a:off x="6916385" y="3533423"/>
+            <a:off x="6879215" y="3914423"/>
             <a:ext cx="893563" cy="542"/>
           </a:xfrm>
           <a:prstGeom prst="bentConnector3">
@@ -5159,7 +5159,7 @@
         </p:nvCxnSpPr>
         <p:spPr>
           <a:xfrm flipV="1">
-            <a:off x="6066328" y="2913532"/>
+            <a:off x="6029158" y="3294532"/>
             <a:ext cx="811946" cy="659"/>
           </a:xfrm>
           <a:prstGeom prst="bentConnector3">
@@ -5202,7 +5202,7 @@
         </p:nvSpPr>
         <p:spPr>
           <a:xfrm>
-            <a:off x="3174214" y="2370131"/>
+            <a:off x="3137044" y="2751131"/>
             <a:ext cx="750156" cy="340758"/>
           </a:xfrm>
           <a:prstGeom prst="rect">
@@ -5281,7 +5281,7 @@
         </p:nvCxnSpPr>
         <p:spPr>
           <a:xfrm rot="10800000" flipV="1">
-            <a:off x="2964740" y="2540509"/>
+            <a:off x="2927570" y="2921509"/>
             <a:ext cx="209475" cy="1261"/>
           </a:xfrm>
           <a:prstGeom prst="bentConnector3">
@@ -5329,7 +5329,7 @@
         </p:nvCxnSpPr>
         <p:spPr>
           <a:xfrm rot="5400000">
-            <a:off x="3469242" y="2289605"/>
+            <a:off x="3432072" y="2670605"/>
             <a:ext cx="160576" cy="476"/>
           </a:xfrm>
           <a:prstGeom prst="bentConnector3">
@@ -5373,7 +5373,7 @@
         </p:nvSpPr>
         <p:spPr>
           <a:xfrm>
-            <a:off x="1295065" y="4183424"/>
+            <a:off x="1257895" y="4564424"/>
             <a:ext cx="805984" cy="346760"/>
           </a:xfrm>
           <a:prstGeom prst="rect">
@@ -5443,7 +5443,7 @@
         </p:nvCxnSpPr>
         <p:spPr>
           <a:xfrm>
-            <a:off x="1971157" y="3939492"/>
+            <a:off x="1933987" y="4320492"/>
             <a:ext cx="2022" cy="240622"/>
           </a:xfrm>
           <a:prstGeom prst="straightConnector1">
@@ -5481,7 +5481,7 @@
         </p:nvSpPr>
         <p:spPr>
           <a:xfrm>
-            <a:off x="1773980" y="4000395"/>
+            <a:off x="1736810" y="4381395"/>
             <a:ext cx="131116" cy="230832"/>
           </a:xfrm>
           <a:prstGeom prst="rect">
@@ -5517,7 +5517,7 @@
           <p:cNvPr id="97" name="Rectangle 96">
             <a:extLst>
               <a:ext uri="{FF2B5EF4-FFF2-40B4-BE49-F238E27FC236}">
-                <a16:creationId xmlns:a16="http://schemas.microsoft.com/office/drawing/2014/main" id="{AADE6A0C-89AB-467B-8CEA-5FCF36CE0D21}"/>
+                <a16:creationId xmlns="" xmlns:a16="http://schemas.microsoft.com/office/drawing/2014/main" id="{AADE6A0C-89AB-467B-8CEA-5FCF36CE0D21}"/>
               </a:ext>
             </a:extLst>
           </p:cNvPr>
@@ -5526,7 +5526,7 @@
         </p:nvSpPr>
         <p:spPr>
           <a:xfrm flipH="1">
-            <a:off x="5067626" y="1981200"/>
+            <a:off x="5030456" y="2362200"/>
             <a:ext cx="998702" cy="346760"/>
           </a:xfrm>
           <a:prstGeom prst="rect">
@@ -5592,7 +5592,7 @@
         </p:nvSpPr>
         <p:spPr>
           <a:xfrm flipH="1">
-            <a:off x="5431725" y="2327960"/>
+            <a:off x="5394555" y="2708960"/>
             <a:ext cx="270504" cy="175523"/>
           </a:xfrm>
           <a:prstGeom prst="triangle">
@@ -5637,7 +5637,7 @@
         </p:nvGrpSpPr>
         <p:grpSpPr>
           <a:xfrm rot="5400000">
-            <a:off x="6371505" y="2788428"/>
+            <a:off x="6334335" y="3169428"/>
             <a:ext cx="222304" cy="598286"/>
             <a:chOff x="3965759" y="592436"/>
             <a:chExt cx="254462" cy="503902"/>
@@ -5742,7 +5742,7 @@
         </p:nvCxnSpPr>
         <p:spPr>
           <a:xfrm>
-            <a:off x="2893971" y="3687139"/>
+            <a:off x="2856801" y="4068139"/>
             <a:ext cx="361447" cy="0"/>
           </a:xfrm>
           <a:prstGeom prst="line">
@@ -5781,7 +5781,7 @@
         </p:nvSpPr>
         <p:spPr>
           <a:xfrm flipH="1">
-            <a:off x="5074342" y="2740811"/>
+            <a:off x="5037172" y="3121811"/>
             <a:ext cx="991986" cy="346760"/>
           </a:xfrm>
           <a:prstGeom prst="rect">
@@ -5857,7 +5857,7 @@
         </p:nvCxnSpPr>
         <p:spPr>
           <a:xfrm rot="10800000">
-            <a:off x="3917734" y="2058661"/>
+            <a:off x="3880564" y="2439661"/>
             <a:ext cx="1156608" cy="855530"/>
           </a:xfrm>
           <a:prstGeom prst="bentConnector3">
@@ -5904,7 +5904,7 @@
         </p:nvCxnSpPr>
         <p:spPr>
           <a:xfrm rot="10800000">
-            <a:off x="3921964" y="2540511"/>
+            <a:off x="3884794" y="2921511"/>
             <a:ext cx="1152379" cy="373681"/>
           </a:xfrm>
           <a:prstGeom prst="bentConnector3">
@@ -5951,7 +5951,7 @@
         </p:nvCxnSpPr>
         <p:spPr>
           <a:xfrm rot="10800000" flipV="1">
-            <a:off x="3926192" y="2914191"/>
+            <a:off x="3889022" y="3295191"/>
             <a:ext cx="1148150" cy="108168"/>
           </a:xfrm>
           <a:prstGeom prst="bentConnector3">
@@ -5998,7 +5998,7 @@
         </p:nvCxnSpPr>
         <p:spPr>
           <a:xfrm rot="10800000" flipV="1">
-            <a:off x="3930422" y="2914191"/>
+            <a:off x="3893252" y="3295191"/>
             <a:ext cx="1143921" cy="439870"/>
           </a:xfrm>
           <a:prstGeom prst="bentConnector3">
@@ -6045,7 +6045,7 @@
         </p:nvCxnSpPr>
         <p:spPr>
           <a:xfrm flipV="1">
-            <a:off x="4300741" y="3087571"/>
+            <a:off x="4263571" y="3468571"/>
             <a:ext cx="1269594" cy="659673"/>
           </a:xfrm>
           <a:prstGeom prst="bentConnector2">
@@ -6088,7 +6088,7 @@
         </p:nvCxnSpPr>
         <p:spPr>
           <a:xfrm rot="16200000" flipH="1">
-            <a:off x="5451193" y="2621669"/>
+            <a:off x="5414023" y="3002669"/>
             <a:ext cx="234926" cy="3358"/>
           </a:xfrm>
           <a:prstGeom prst="bentConnector3">
@@ -6126,7 +6126,7 @@
         </p:nvSpPr>
         <p:spPr>
           <a:xfrm>
-            <a:off x="6263130" y="1981200"/>
+            <a:off x="6225960" y="2362200"/>
             <a:ext cx="1276614" cy="630473"/>
           </a:xfrm>
           <a:prstGeom prst="foldedCorner">
@@ -6230,6 +6230,13 @@
   <p:clrMapOvr>
     <a:masterClrMapping/>
   </p:clrMapOvr>
+  <p:timing>
+    <p:tnLst>
+      <p:par>
+        <p:cTn id="1" dur="indefinite" restart="never" nodeType="tmRoot"/>
+      </p:par>
+    </p:tnLst>
+  </p:timing>
 </p:sld>
 </file>
 

--- a/docs/diagrams/LogicComponentClassDiagram.pptx
+++ b/docs/diagrams/LogicComponentClassDiagram.pptx
@@ -212,7 +212,7 @@
           <a:p>
             <a:fld id="{F5CC4B3F-88C1-4FFA-B1B6-F41C21DC6924}" type="datetimeFigureOut">
               <a:rPr lang="en-US" smtClean="0"/>
-              <a:t>11/10/2018</a:t>
+              <a:t>4/16/2018</a:t>
             </a:fld>
             <a:endParaRPr lang="en-US"/>
           </a:p>
@@ -658,7 +658,7 @@
           <a:p>
             <a:fld id="{78C97017-6FC3-485B-9764-EAC9E56C1D49}" type="datetimeFigureOut">
               <a:rPr lang="en-US" smtClean="0"/>
-              <a:t>11/10/2018</a:t>
+              <a:t>4/16/2018</a:t>
             </a:fld>
             <a:endParaRPr lang="en-US"/>
           </a:p>
@@ -826,7 +826,7 @@
           <a:p>
             <a:fld id="{78C97017-6FC3-485B-9764-EAC9E56C1D49}" type="datetimeFigureOut">
               <a:rPr lang="en-US" smtClean="0"/>
-              <a:t>11/10/2018</a:t>
+              <a:t>4/16/2018</a:t>
             </a:fld>
             <a:endParaRPr lang="en-US"/>
           </a:p>
@@ -1004,7 +1004,7 @@
           <a:p>
             <a:fld id="{78C97017-6FC3-485B-9764-EAC9E56C1D49}" type="datetimeFigureOut">
               <a:rPr lang="en-US" smtClean="0"/>
-              <a:t>11/10/2018</a:t>
+              <a:t>4/16/2018</a:t>
             </a:fld>
             <a:endParaRPr lang="en-US"/>
           </a:p>
@@ -1172,7 +1172,7 @@
           <a:p>
             <a:fld id="{78C97017-6FC3-485B-9764-EAC9E56C1D49}" type="datetimeFigureOut">
               <a:rPr lang="en-US" smtClean="0"/>
-              <a:t>11/10/2018</a:t>
+              <a:t>4/16/2018</a:t>
             </a:fld>
             <a:endParaRPr lang="en-US"/>
           </a:p>
@@ -1417,7 +1417,7 @@
           <a:p>
             <a:fld id="{78C97017-6FC3-485B-9764-EAC9E56C1D49}" type="datetimeFigureOut">
               <a:rPr lang="en-US" smtClean="0"/>
-              <a:t>11/10/2018</a:t>
+              <a:t>4/16/2018</a:t>
             </a:fld>
             <a:endParaRPr lang="en-US"/>
           </a:p>
@@ -1702,7 +1702,7 @@
           <a:p>
             <a:fld id="{78C97017-6FC3-485B-9764-EAC9E56C1D49}" type="datetimeFigureOut">
               <a:rPr lang="en-US" smtClean="0"/>
-              <a:t>11/10/2018</a:t>
+              <a:t>4/16/2018</a:t>
             </a:fld>
             <a:endParaRPr lang="en-US"/>
           </a:p>
@@ -2121,7 +2121,7 @@
           <a:p>
             <a:fld id="{78C97017-6FC3-485B-9764-EAC9E56C1D49}" type="datetimeFigureOut">
               <a:rPr lang="en-US" smtClean="0"/>
-              <a:t>11/10/2018</a:t>
+              <a:t>4/16/2018</a:t>
             </a:fld>
             <a:endParaRPr lang="en-US"/>
           </a:p>
@@ -2238,7 +2238,7 @@
           <a:p>
             <a:fld id="{78C97017-6FC3-485B-9764-EAC9E56C1D49}" type="datetimeFigureOut">
               <a:rPr lang="en-US" smtClean="0"/>
-              <a:t>11/10/2018</a:t>
+              <a:t>4/16/2018</a:t>
             </a:fld>
             <a:endParaRPr lang="en-US"/>
           </a:p>
@@ -2333,7 +2333,7 @@
           <a:p>
             <a:fld id="{78C97017-6FC3-485B-9764-EAC9E56C1D49}" type="datetimeFigureOut">
               <a:rPr lang="en-US" smtClean="0"/>
-              <a:t>11/10/2018</a:t>
+              <a:t>4/16/2018</a:t>
             </a:fld>
             <a:endParaRPr lang="en-US"/>
           </a:p>
@@ -2608,7 +2608,7 @@
           <a:p>
             <a:fld id="{78C97017-6FC3-485B-9764-EAC9E56C1D49}" type="datetimeFigureOut">
               <a:rPr lang="en-US" smtClean="0"/>
-              <a:t>11/10/2018</a:t>
+              <a:t>4/16/2018</a:t>
             </a:fld>
             <a:endParaRPr lang="en-US"/>
           </a:p>
@@ -2860,7 +2860,7 @@
           <a:p>
             <a:fld id="{78C97017-6FC3-485B-9764-EAC9E56C1D49}" type="datetimeFigureOut">
               <a:rPr lang="en-US" smtClean="0"/>
-              <a:t>11/10/2018</a:t>
+              <a:t>4/16/2018</a:t>
             </a:fld>
             <a:endParaRPr lang="en-US"/>
           </a:p>
@@ -3071,7 +3071,7 @@
           <a:p>
             <a:fld id="{78C97017-6FC3-485B-9764-EAC9E56C1D49}" type="datetimeFigureOut">
               <a:rPr lang="en-US" smtClean="0"/>
-              <a:t>11/10/2018</a:t>
+              <a:t>4/16/2018</a:t>
             </a:fld>
             <a:endParaRPr lang="en-US"/>
           </a:p>
@@ -3454,7 +3454,7 @@
         </p:nvSpPr>
         <p:spPr>
           <a:xfrm>
-            <a:off x="1029630" y="1295400"/>
+            <a:off x="1066800" y="914400"/>
             <a:ext cx="7084740" cy="3733800"/>
           </a:xfrm>
           <a:prstGeom prst="roundRect">
@@ -3515,7 +3515,7 @@
         </p:nvSpPr>
         <p:spPr>
           <a:xfrm>
-            <a:off x="2058778" y="1634067"/>
+            <a:off x="2095948" y="1253067"/>
             <a:ext cx="1093635" cy="346760"/>
           </a:xfrm>
           <a:prstGeom prst="rect">
@@ -3574,7 +3574,7 @@
         </p:nvSpPr>
         <p:spPr>
           <a:xfrm flipH="1">
-            <a:off x="6841104" y="3121152"/>
+            <a:off x="6878274" y="2740152"/>
             <a:ext cx="970326" cy="346760"/>
           </a:xfrm>
           <a:prstGeom prst="rect">
@@ -3630,7 +3630,7 @@
         </p:nvSpPr>
         <p:spPr>
           <a:xfrm>
-            <a:off x="1745325" y="3964530"/>
+            <a:off x="1782495" y="3583530"/>
             <a:ext cx="1093635" cy="346760"/>
           </a:xfrm>
           <a:prstGeom prst="rect">
@@ -3692,7 +3692,7 @@
         </p:nvCxnSpPr>
         <p:spPr>
           <a:xfrm flipH="1" flipV="1">
-            <a:off x="3152413" y="1807447"/>
+            <a:off x="3189583" y="1426447"/>
             <a:ext cx="4559332" cy="2895973"/>
           </a:xfrm>
           <a:prstGeom prst="bentConnector3">
@@ -3735,7 +3735,7 @@
         </p:nvCxnSpPr>
         <p:spPr>
           <a:xfrm>
-            <a:off x="1639230" y="1804587"/>
+            <a:off x="1676400" y="1423587"/>
             <a:ext cx="419548" cy="2860"/>
           </a:xfrm>
           <a:prstGeom prst="bentConnector3">
@@ -3776,7 +3776,7 @@
         </p:nvSpPr>
         <p:spPr>
           <a:xfrm>
-            <a:off x="1065915" y="5158355"/>
+            <a:off x="1103085" y="4777355"/>
             <a:ext cx="7050315" cy="328045"/>
           </a:xfrm>
           <a:prstGeom prst="roundRect">
@@ -3836,7 +3836,7 @@
         </p:nvSpPr>
         <p:spPr>
           <a:xfrm>
-            <a:off x="6939702" y="4530040"/>
+            <a:off x="6976872" y="4149040"/>
             <a:ext cx="772043" cy="346760"/>
           </a:xfrm>
           <a:prstGeom prst="rect">
@@ -3907,7 +3907,7 @@
         </p:nvSpPr>
         <p:spPr>
           <a:xfrm>
-            <a:off x="3218248" y="3935995"/>
+            <a:off x="3255418" y="3554995"/>
             <a:ext cx="1045323" cy="384497"/>
           </a:xfrm>
           <a:prstGeom prst="rect">
@@ -3944,7 +3944,7 @@
                   <a:schemeClr val="bg1"/>
                 </a:solidFill>
               </a:rPr>
-              <a:t>TutorHelper</a:t>
+              <a:t>AddressBook</a:t>
             </a:r>
             <a:endParaRPr lang="en-US" sz="1050" dirty="0">
               <a:solidFill>
@@ -3980,7 +3980,7 @@
         </p:nvCxnSpPr>
         <p:spPr>
           <a:xfrm>
-            <a:off x="7325724" y="4876800"/>
+            <a:off x="7362894" y="4495800"/>
             <a:ext cx="0" cy="281555"/>
           </a:xfrm>
           <a:prstGeom prst="straightConnector1">
@@ -4019,7 +4019,7 @@
         </p:nvSpPr>
         <p:spPr>
           <a:xfrm rot="16200000">
-            <a:off x="360950" y="2531720"/>
+            <a:off x="398120" y="2150720"/>
             <a:ext cx="2209800" cy="346760"/>
           </a:xfrm>
           <a:prstGeom prst="rect">
@@ -4089,7 +4089,7 @@
         </p:nvSpPr>
         <p:spPr>
           <a:xfrm>
-            <a:off x="1321869" y="3810000"/>
+            <a:off x="1359039" y="3429000"/>
             <a:ext cx="270504" cy="175523"/>
           </a:xfrm>
           <a:prstGeom prst="triangle">
@@ -4146,7 +4146,7 @@
         </p:nvCxnSpPr>
         <p:spPr>
           <a:xfrm rot="10800000">
-            <a:off x="1457121" y="3985524"/>
+            <a:off x="1494291" y="3604524"/>
             <a:ext cx="288204" cy="152387"/>
           </a:xfrm>
           <a:prstGeom prst="bentConnector2">
@@ -4187,7 +4187,7 @@
         </p:nvCxnSpPr>
         <p:spPr>
           <a:xfrm>
-            <a:off x="2292143" y="4311290"/>
+            <a:off x="2329313" y="3930290"/>
             <a:ext cx="1376" cy="854841"/>
           </a:xfrm>
           <a:prstGeom prst="straightConnector1">
@@ -4225,7 +4225,7 @@
         </p:nvCxnSpPr>
         <p:spPr>
           <a:xfrm>
-            <a:off x="856141" y="3213505"/>
+            <a:off x="893311" y="2832505"/>
             <a:ext cx="419548" cy="2860"/>
           </a:xfrm>
           <a:prstGeom prst="bentConnector3">
@@ -4270,7 +4270,7 @@
         </p:nvCxnSpPr>
         <p:spPr>
           <a:xfrm>
-            <a:off x="2244663" y="4320492"/>
+            <a:off x="2281833" y="3939492"/>
             <a:ext cx="4695039" cy="382928"/>
           </a:xfrm>
           <a:prstGeom prst="bentConnector3">
@@ -4311,7 +4311,7 @@
         </p:nvGrpSpPr>
         <p:grpSpPr>
           <a:xfrm>
-            <a:off x="4560230" y="4722168"/>
+            <a:off x="4597400" y="4341168"/>
             <a:ext cx="889000" cy="230832"/>
             <a:chOff x="2895600" y="807932"/>
             <a:chExt cx="889000" cy="230832"/>
@@ -4411,7 +4411,7 @@
         </p:nvGrpSpPr>
         <p:grpSpPr>
           <a:xfrm>
-            <a:off x="4627940" y="1600200"/>
+            <a:off x="4665110" y="1219200"/>
             <a:ext cx="868568" cy="230832"/>
             <a:chOff x="2755838" y="789460"/>
             <a:chExt cx="868568" cy="230832"/>
@@ -4510,7 +4510,7 @@
         </p:nvSpPr>
         <p:spPr>
           <a:xfrm>
-            <a:off x="3010830" y="4114800"/>
+            <a:off x="3048000" y="3733800"/>
             <a:ext cx="131116" cy="230832"/>
           </a:xfrm>
           <a:prstGeom prst="rect">
@@ -4549,7 +4549,7 @@
         </p:nvCxnSpPr>
         <p:spPr>
           <a:xfrm rot="5400000" flipH="1" flipV="1">
-            <a:off x="1156106" y="2982868"/>
+            <a:off x="1193276" y="2601868"/>
             <a:ext cx="1969553" cy="2764"/>
           </a:xfrm>
           <a:prstGeom prst="bentConnector3">
@@ -4590,7 +4590,7 @@
         </p:nvSpPr>
         <p:spPr>
           <a:xfrm>
-            <a:off x="3137044" y="2243795"/>
+            <a:off x="3174214" y="1862795"/>
             <a:ext cx="751107" cy="346760"/>
           </a:xfrm>
           <a:prstGeom prst="rect">
@@ -4670,7 +4670,7 @@
         </p:nvSpPr>
         <p:spPr>
           <a:xfrm>
-            <a:off x="2201326" y="2835481"/>
+            <a:off x="2238496" y="2454481"/>
             <a:ext cx="726243" cy="174580"/>
           </a:xfrm>
           <a:prstGeom prst="rect">
@@ -4735,7 +4735,7 @@
         </p:nvSpPr>
         <p:spPr>
           <a:xfrm>
-            <a:off x="3149156" y="3222725"/>
+            <a:off x="3186326" y="2841725"/>
             <a:ext cx="731636" cy="283820"/>
           </a:xfrm>
           <a:prstGeom prst="rect">
@@ -4800,7 +4800,7 @@
         </p:nvSpPr>
         <p:spPr>
           <a:xfrm>
-            <a:off x="3149156" y="3571882"/>
+            <a:off x="3186326" y="3190882"/>
             <a:ext cx="731636" cy="283820"/>
           </a:xfrm>
           <a:prstGeom prst="rect">
@@ -4869,7 +4869,7 @@
         </p:nvCxnSpPr>
         <p:spPr>
           <a:xfrm rot="10800000">
-            <a:off x="2564448" y="3010061"/>
+            <a:off x="2601618" y="2629061"/>
             <a:ext cx="584708" cy="354574"/>
           </a:xfrm>
           <a:prstGeom prst="bentConnector2">
@@ -4915,7 +4915,7 @@
         </p:nvCxnSpPr>
         <p:spPr>
           <a:xfrm rot="10800000" flipV="1">
-            <a:off x="2564448" y="2417175"/>
+            <a:off x="2601618" y="2036175"/>
             <a:ext cx="572596" cy="418306"/>
           </a:xfrm>
           <a:prstGeom prst="bentConnector2">
@@ -4957,7 +4957,7 @@
         </p:nvGrpSpPr>
         <p:grpSpPr>
           <a:xfrm rot="10800000">
-            <a:off x="4649916" y="4165757"/>
+            <a:off x="4687086" y="3784757"/>
             <a:ext cx="555486" cy="254462"/>
             <a:chOff x="3703306" y="644022"/>
             <a:chExt cx="555486" cy="230832"/>
@@ -5062,7 +5062,7 @@
         </p:nvSpPr>
         <p:spPr>
           <a:xfrm flipV="1">
-            <a:off x="7190473" y="4361475"/>
+            <a:off x="7227643" y="3980475"/>
             <a:ext cx="270504" cy="175523"/>
           </a:xfrm>
           <a:prstGeom prst="triangle">
@@ -5119,7 +5119,7 @@
         </p:nvCxnSpPr>
         <p:spPr>
           <a:xfrm rot="5400000" flipH="1" flipV="1">
-            <a:off x="6879215" y="3914423"/>
+            <a:off x="6916385" y="3533423"/>
             <a:ext cx="893563" cy="542"/>
           </a:xfrm>
           <a:prstGeom prst="bentConnector3">
@@ -5159,7 +5159,7 @@
         </p:nvCxnSpPr>
         <p:spPr>
           <a:xfrm flipV="1">
-            <a:off x="6029158" y="3294532"/>
+            <a:off x="6066328" y="2913532"/>
             <a:ext cx="811946" cy="659"/>
           </a:xfrm>
           <a:prstGeom prst="bentConnector3">
@@ -5202,7 +5202,7 @@
         </p:nvSpPr>
         <p:spPr>
           <a:xfrm>
-            <a:off x="3137044" y="2751131"/>
+            <a:off x="3174214" y="2370131"/>
             <a:ext cx="750156" cy="340758"/>
           </a:xfrm>
           <a:prstGeom prst="rect">
@@ -5281,7 +5281,7 @@
         </p:nvCxnSpPr>
         <p:spPr>
           <a:xfrm rot="10800000" flipV="1">
-            <a:off x="2927570" y="2921509"/>
+            <a:off x="2964740" y="2540509"/>
             <a:ext cx="209475" cy="1261"/>
           </a:xfrm>
           <a:prstGeom prst="bentConnector3">
@@ -5329,7 +5329,7 @@
         </p:nvCxnSpPr>
         <p:spPr>
           <a:xfrm rot="5400000">
-            <a:off x="3432072" y="2670605"/>
+            <a:off x="3469242" y="2289605"/>
             <a:ext cx="160576" cy="476"/>
           </a:xfrm>
           <a:prstGeom prst="bentConnector3">
@@ -5373,7 +5373,7 @@
         </p:nvSpPr>
         <p:spPr>
           <a:xfrm>
-            <a:off x="1257895" y="4564424"/>
+            <a:off x="1295065" y="4183424"/>
             <a:ext cx="805984" cy="346760"/>
           </a:xfrm>
           <a:prstGeom prst="rect">
@@ -5443,7 +5443,7 @@
         </p:nvCxnSpPr>
         <p:spPr>
           <a:xfrm>
-            <a:off x="1933987" y="4320492"/>
+            <a:off x="1971157" y="3939492"/>
             <a:ext cx="2022" cy="240622"/>
           </a:xfrm>
           <a:prstGeom prst="straightConnector1">
@@ -5481,7 +5481,7 @@
         </p:nvSpPr>
         <p:spPr>
           <a:xfrm>
-            <a:off x="1736810" y="4381395"/>
+            <a:off x="1773980" y="4000395"/>
             <a:ext cx="131116" cy="230832"/>
           </a:xfrm>
           <a:prstGeom prst="rect">
@@ -5517,7 +5517,7 @@
           <p:cNvPr id="97" name="Rectangle 96">
             <a:extLst>
               <a:ext uri="{FF2B5EF4-FFF2-40B4-BE49-F238E27FC236}">
-                <a16:creationId xmlns="" xmlns:a16="http://schemas.microsoft.com/office/drawing/2014/main" id="{AADE6A0C-89AB-467B-8CEA-5FCF36CE0D21}"/>
+                <a16:creationId xmlns:a16="http://schemas.microsoft.com/office/drawing/2014/main" id="{AADE6A0C-89AB-467B-8CEA-5FCF36CE0D21}"/>
               </a:ext>
             </a:extLst>
           </p:cNvPr>
@@ -5526,7 +5526,7 @@
         </p:nvSpPr>
         <p:spPr>
           <a:xfrm flipH="1">
-            <a:off x="5030456" y="2362200"/>
+            <a:off x="5067626" y="1981200"/>
             <a:ext cx="998702" cy="346760"/>
           </a:xfrm>
           <a:prstGeom prst="rect">
@@ -5592,7 +5592,7 @@
         </p:nvSpPr>
         <p:spPr>
           <a:xfrm flipH="1">
-            <a:off x="5394555" y="2708960"/>
+            <a:off x="5431725" y="2327960"/>
             <a:ext cx="270504" cy="175523"/>
           </a:xfrm>
           <a:prstGeom prst="triangle">
@@ -5637,7 +5637,7 @@
         </p:nvGrpSpPr>
         <p:grpSpPr>
           <a:xfrm rot="5400000">
-            <a:off x="6334335" y="3169428"/>
+            <a:off x="6371505" y="2788428"/>
             <a:ext cx="222304" cy="598286"/>
             <a:chOff x="3965759" y="592436"/>
             <a:chExt cx="254462" cy="503902"/>
@@ -5742,7 +5742,7 @@
         </p:nvCxnSpPr>
         <p:spPr>
           <a:xfrm>
-            <a:off x="2856801" y="4068139"/>
+            <a:off x="2893971" y="3687139"/>
             <a:ext cx="361447" cy="0"/>
           </a:xfrm>
           <a:prstGeom prst="line">
@@ -5781,7 +5781,7 @@
         </p:nvSpPr>
         <p:spPr>
           <a:xfrm flipH="1">
-            <a:off x="5037172" y="3121811"/>
+            <a:off x="5074342" y="2740811"/>
             <a:ext cx="991986" cy="346760"/>
           </a:xfrm>
           <a:prstGeom prst="rect">
@@ -5857,7 +5857,7 @@
         </p:nvCxnSpPr>
         <p:spPr>
           <a:xfrm rot="10800000">
-            <a:off x="3880564" y="2439661"/>
+            <a:off x="3917734" y="2058661"/>
             <a:ext cx="1156608" cy="855530"/>
           </a:xfrm>
           <a:prstGeom prst="bentConnector3">
@@ -5904,7 +5904,7 @@
         </p:nvCxnSpPr>
         <p:spPr>
           <a:xfrm rot="10800000">
-            <a:off x="3884794" y="2921511"/>
+            <a:off x="3921964" y="2540511"/>
             <a:ext cx="1152379" cy="373681"/>
           </a:xfrm>
           <a:prstGeom prst="bentConnector3">
@@ -5951,7 +5951,7 @@
         </p:nvCxnSpPr>
         <p:spPr>
           <a:xfrm rot="10800000" flipV="1">
-            <a:off x="3889022" y="3295191"/>
+            <a:off x="3926192" y="2914191"/>
             <a:ext cx="1148150" cy="108168"/>
           </a:xfrm>
           <a:prstGeom prst="bentConnector3">
@@ -5998,7 +5998,7 @@
         </p:nvCxnSpPr>
         <p:spPr>
           <a:xfrm rot="10800000" flipV="1">
-            <a:off x="3893252" y="3295191"/>
+            <a:off x="3930422" y="2914191"/>
             <a:ext cx="1143921" cy="439870"/>
           </a:xfrm>
           <a:prstGeom prst="bentConnector3">
@@ -6045,7 +6045,7 @@
         </p:nvCxnSpPr>
         <p:spPr>
           <a:xfrm flipV="1">
-            <a:off x="4263571" y="3468571"/>
+            <a:off x="4300741" y="3087571"/>
             <a:ext cx="1269594" cy="659673"/>
           </a:xfrm>
           <a:prstGeom prst="bentConnector2">
@@ -6088,7 +6088,7 @@
         </p:nvCxnSpPr>
         <p:spPr>
           <a:xfrm rot="16200000" flipH="1">
-            <a:off x="5414023" y="3002669"/>
+            <a:off x="5451193" y="2621669"/>
             <a:ext cx="234926" cy="3358"/>
           </a:xfrm>
           <a:prstGeom prst="bentConnector3">
@@ -6126,7 +6126,7 @@
         </p:nvSpPr>
         <p:spPr>
           <a:xfrm>
-            <a:off x="6225960" y="2362200"/>
+            <a:off x="6263130" y="1981200"/>
             <a:ext cx="1276614" cy="630473"/>
           </a:xfrm>
           <a:prstGeom prst="foldedCorner">
@@ -6230,13 +6230,6 @@
   <p:clrMapOvr>
     <a:masterClrMapping/>
   </p:clrMapOvr>
-  <p:timing>
-    <p:tnLst>
-      <p:par>
-        <p:cTn id="1" dur="indefinite" restart="never" nodeType="tmRoot"/>
-      </p:par>
-    </p:tnLst>
-  </p:timing>
 </p:sld>
 </file>
 
